--- a/ppt 16-9/1151.美好的家乡.pptx
+++ b/ppt 16-9/1151.美好的家乡.pptx
@@ -129,7 +129,7 @@
           <p:cNvPr id="2" name="标题 1">
             <a:extLst>
               <a:ext uri="{FF2B5EF4-FFF2-40B4-BE49-F238E27FC236}">
-                <a16:creationId xmlns:a16="http://schemas.microsoft.com/office/drawing/2014/main" id="{D2383A58-973A-D14A-2732-D6BB7BB2ED84}"/>
+                <a16:creationId xmlns:a16="http://schemas.microsoft.com/office/drawing/2014/main" id="{3B6276EF-4110-6CA9-BED1-0EB8191CD957}"/>
               </a:ext>
             </a:extLst>
           </p:cNvPr>
@@ -166,7 +166,7 @@
           <p:cNvPr id="3" name="副标题 2">
             <a:extLst>
               <a:ext uri="{FF2B5EF4-FFF2-40B4-BE49-F238E27FC236}">
-                <a16:creationId xmlns:a16="http://schemas.microsoft.com/office/drawing/2014/main" id="{1B971C16-89FC-04E5-E3ED-25B2F3E7400C}"/>
+                <a16:creationId xmlns:a16="http://schemas.microsoft.com/office/drawing/2014/main" id="{BB8268E3-CCA0-477D-ED95-874955AA0ADE}"/>
               </a:ext>
             </a:extLst>
           </p:cNvPr>
@@ -236,7 +236,7 @@
           <p:cNvPr id="4" name="日期占位符 3">
             <a:extLst>
               <a:ext uri="{FF2B5EF4-FFF2-40B4-BE49-F238E27FC236}">
-                <a16:creationId xmlns:a16="http://schemas.microsoft.com/office/drawing/2014/main" id="{1803B017-3C35-08E2-4FA0-6C58EBEA0E63}"/>
+                <a16:creationId xmlns:a16="http://schemas.microsoft.com/office/drawing/2014/main" id="{418FA3A2-1A39-937F-AF90-1CC8FB0ABC6B}"/>
               </a:ext>
             </a:extLst>
           </p:cNvPr>
@@ -252,7 +252,7 @@
           <a:bodyPr/>
           <a:lstStyle/>
           <a:p>
-            <a:fld id="{6D79E782-4CE9-405B-AEFD-05B552B11934}" type="datetimeFigureOut">
+            <a:fld id="{BFF0CF30-4C06-4A94-9C68-1B236F771401}" type="datetimeFigureOut">
               <a:rPr lang="zh-CN" altLang="en-US" smtClean="0"/>
               <a:t>2024/3/10</a:t>
             </a:fld>
@@ -265,7 +265,7 @@
           <p:cNvPr id="5" name="页脚占位符 4">
             <a:extLst>
               <a:ext uri="{FF2B5EF4-FFF2-40B4-BE49-F238E27FC236}">
-                <a16:creationId xmlns:a16="http://schemas.microsoft.com/office/drawing/2014/main" id="{3344E450-220F-C0C4-ADFC-E175A0377CCA}"/>
+                <a16:creationId xmlns:a16="http://schemas.microsoft.com/office/drawing/2014/main" id="{EA050177-95AB-76A6-A8FE-07B7EEC508CB}"/>
               </a:ext>
             </a:extLst>
           </p:cNvPr>
@@ -290,7 +290,7 @@
           <p:cNvPr id="6" name="灯片编号占位符 5">
             <a:extLst>
               <a:ext uri="{FF2B5EF4-FFF2-40B4-BE49-F238E27FC236}">
-                <a16:creationId xmlns:a16="http://schemas.microsoft.com/office/drawing/2014/main" id="{64D6B8A3-F513-E5DF-D588-08D5AEFA559E}"/>
+                <a16:creationId xmlns:a16="http://schemas.microsoft.com/office/drawing/2014/main" id="{03241B57-362A-97AD-A678-6A13A4930C1A}"/>
               </a:ext>
             </a:extLst>
           </p:cNvPr>
@@ -306,7 +306,7 @@
           <a:bodyPr/>
           <a:lstStyle/>
           <a:p>
-            <a:fld id="{4FD88BF1-71D7-49DF-876D-1C75F78C9933}" type="slidenum">
+            <a:fld id="{17A2692A-91AF-48BC-BFE1-2DD0471FBFF5}" type="slidenum">
               <a:rPr lang="zh-CN" altLang="en-US" smtClean="0"/>
               <a:t>‹#›</a:t>
             </a:fld>
@@ -317,7 +317,7 @@
     </p:spTree>
     <p:extLst>
       <p:ext uri="{BB962C8B-B14F-4D97-AF65-F5344CB8AC3E}">
-        <p14:creationId xmlns:p14="http://schemas.microsoft.com/office/powerpoint/2010/main" val="2147305314"/>
+        <p14:creationId xmlns:p14="http://schemas.microsoft.com/office/powerpoint/2010/main" val="1963295534"/>
       </p:ext>
     </p:extLst>
   </p:cSld>
@@ -349,7 +349,7 @@
           <p:cNvPr id="2" name="标题 1">
             <a:extLst>
               <a:ext uri="{FF2B5EF4-FFF2-40B4-BE49-F238E27FC236}">
-                <a16:creationId xmlns:a16="http://schemas.microsoft.com/office/drawing/2014/main" id="{5A61AB36-88FB-A2C7-E8C3-403F4625F607}"/>
+                <a16:creationId xmlns:a16="http://schemas.microsoft.com/office/drawing/2014/main" id="{7F0E9461-EFCB-2BE0-1045-44A9D29BB1B0}"/>
               </a:ext>
             </a:extLst>
           </p:cNvPr>
@@ -377,7 +377,7 @@
           <p:cNvPr id="3" name="竖排文字占位符 2">
             <a:extLst>
               <a:ext uri="{FF2B5EF4-FFF2-40B4-BE49-F238E27FC236}">
-                <a16:creationId xmlns:a16="http://schemas.microsoft.com/office/drawing/2014/main" id="{9F35998C-772E-87F1-FAC4-2B2B0E9C58C3}"/>
+                <a16:creationId xmlns:a16="http://schemas.microsoft.com/office/drawing/2014/main" id="{5F187CD6-1809-79AC-F86B-03837A92E955}"/>
               </a:ext>
             </a:extLst>
           </p:cNvPr>
@@ -434,7 +434,7 @@
           <p:cNvPr id="4" name="日期占位符 3">
             <a:extLst>
               <a:ext uri="{FF2B5EF4-FFF2-40B4-BE49-F238E27FC236}">
-                <a16:creationId xmlns:a16="http://schemas.microsoft.com/office/drawing/2014/main" id="{A5CD8D9A-2559-9D89-5B7D-76536EFF07ED}"/>
+                <a16:creationId xmlns:a16="http://schemas.microsoft.com/office/drawing/2014/main" id="{DEC9F489-0DE9-DB02-D35C-3F3AA6ACFF72}"/>
               </a:ext>
             </a:extLst>
           </p:cNvPr>
@@ -450,7 +450,7 @@
           <a:bodyPr/>
           <a:lstStyle/>
           <a:p>
-            <a:fld id="{6D79E782-4CE9-405B-AEFD-05B552B11934}" type="datetimeFigureOut">
+            <a:fld id="{BFF0CF30-4C06-4A94-9C68-1B236F771401}" type="datetimeFigureOut">
               <a:rPr lang="zh-CN" altLang="en-US" smtClean="0"/>
               <a:t>2024/3/10</a:t>
             </a:fld>
@@ -463,7 +463,7 @@
           <p:cNvPr id="5" name="页脚占位符 4">
             <a:extLst>
               <a:ext uri="{FF2B5EF4-FFF2-40B4-BE49-F238E27FC236}">
-                <a16:creationId xmlns:a16="http://schemas.microsoft.com/office/drawing/2014/main" id="{66B20922-EE06-668B-848E-B0F8E3CE2219}"/>
+                <a16:creationId xmlns:a16="http://schemas.microsoft.com/office/drawing/2014/main" id="{505898F2-E06E-AF15-8285-64DD3F9A4BE2}"/>
               </a:ext>
             </a:extLst>
           </p:cNvPr>
@@ -488,7 +488,7 @@
           <p:cNvPr id="6" name="灯片编号占位符 5">
             <a:extLst>
               <a:ext uri="{FF2B5EF4-FFF2-40B4-BE49-F238E27FC236}">
-                <a16:creationId xmlns:a16="http://schemas.microsoft.com/office/drawing/2014/main" id="{EB58B01D-53A7-DE1D-A250-8FC6388B8EE2}"/>
+                <a16:creationId xmlns:a16="http://schemas.microsoft.com/office/drawing/2014/main" id="{CD5336E0-BB9B-E476-E50A-17EC11DF06E5}"/>
               </a:ext>
             </a:extLst>
           </p:cNvPr>
@@ -504,7 +504,7 @@
           <a:bodyPr/>
           <a:lstStyle/>
           <a:p>
-            <a:fld id="{4FD88BF1-71D7-49DF-876D-1C75F78C9933}" type="slidenum">
+            <a:fld id="{17A2692A-91AF-48BC-BFE1-2DD0471FBFF5}" type="slidenum">
               <a:rPr lang="zh-CN" altLang="en-US" smtClean="0"/>
               <a:t>‹#›</a:t>
             </a:fld>
@@ -515,7 +515,7 @@
     </p:spTree>
     <p:extLst>
       <p:ext uri="{BB962C8B-B14F-4D97-AF65-F5344CB8AC3E}">
-        <p14:creationId xmlns:p14="http://schemas.microsoft.com/office/powerpoint/2010/main" val="2128242308"/>
+        <p14:creationId xmlns:p14="http://schemas.microsoft.com/office/powerpoint/2010/main" val="2183726176"/>
       </p:ext>
     </p:extLst>
   </p:cSld>
@@ -547,7 +547,7 @@
           <p:cNvPr id="2" name="竖排标题 1">
             <a:extLst>
               <a:ext uri="{FF2B5EF4-FFF2-40B4-BE49-F238E27FC236}">
-                <a16:creationId xmlns:a16="http://schemas.microsoft.com/office/drawing/2014/main" id="{942EB017-B1C8-85CE-A5B8-90EC335235CC}"/>
+                <a16:creationId xmlns:a16="http://schemas.microsoft.com/office/drawing/2014/main" id="{382445F9-67DE-0DB1-8090-88C31C6F9B78}"/>
               </a:ext>
             </a:extLst>
           </p:cNvPr>
@@ -580,7 +580,7 @@
           <p:cNvPr id="3" name="竖排文字占位符 2">
             <a:extLst>
               <a:ext uri="{FF2B5EF4-FFF2-40B4-BE49-F238E27FC236}">
-                <a16:creationId xmlns:a16="http://schemas.microsoft.com/office/drawing/2014/main" id="{25447AB1-795A-F521-95CC-53D0BA5B9877}"/>
+                <a16:creationId xmlns:a16="http://schemas.microsoft.com/office/drawing/2014/main" id="{0E947964-0932-20EF-0E20-A171B51AFCB2}"/>
               </a:ext>
             </a:extLst>
           </p:cNvPr>
@@ -642,7 +642,7 @@
           <p:cNvPr id="4" name="日期占位符 3">
             <a:extLst>
               <a:ext uri="{FF2B5EF4-FFF2-40B4-BE49-F238E27FC236}">
-                <a16:creationId xmlns:a16="http://schemas.microsoft.com/office/drawing/2014/main" id="{43DA230B-7A8D-200C-C8A0-6E9963856170}"/>
+                <a16:creationId xmlns:a16="http://schemas.microsoft.com/office/drawing/2014/main" id="{BFBC7BA3-91C2-F575-5A15-A3268A52E502}"/>
               </a:ext>
             </a:extLst>
           </p:cNvPr>
@@ -658,7 +658,7 @@
           <a:bodyPr/>
           <a:lstStyle/>
           <a:p>
-            <a:fld id="{6D79E782-4CE9-405B-AEFD-05B552B11934}" type="datetimeFigureOut">
+            <a:fld id="{BFF0CF30-4C06-4A94-9C68-1B236F771401}" type="datetimeFigureOut">
               <a:rPr lang="zh-CN" altLang="en-US" smtClean="0"/>
               <a:t>2024/3/10</a:t>
             </a:fld>
@@ -671,7 +671,7 @@
           <p:cNvPr id="5" name="页脚占位符 4">
             <a:extLst>
               <a:ext uri="{FF2B5EF4-FFF2-40B4-BE49-F238E27FC236}">
-                <a16:creationId xmlns:a16="http://schemas.microsoft.com/office/drawing/2014/main" id="{BCA33706-BE8B-2808-31DD-661AF536962D}"/>
+                <a16:creationId xmlns:a16="http://schemas.microsoft.com/office/drawing/2014/main" id="{CA3A2842-847B-4384-BAFC-27F2AF6CBE71}"/>
               </a:ext>
             </a:extLst>
           </p:cNvPr>
@@ -696,7 +696,7 @@
           <p:cNvPr id="6" name="灯片编号占位符 5">
             <a:extLst>
               <a:ext uri="{FF2B5EF4-FFF2-40B4-BE49-F238E27FC236}">
-                <a16:creationId xmlns:a16="http://schemas.microsoft.com/office/drawing/2014/main" id="{74C7DE7B-71AB-2B99-04F0-499DB2A27C31}"/>
+                <a16:creationId xmlns:a16="http://schemas.microsoft.com/office/drawing/2014/main" id="{0D6B3DC2-4D6F-E20F-D3F1-1ED892030220}"/>
               </a:ext>
             </a:extLst>
           </p:cNvPr>
@@ -712,7 +712,7 @@
           <a:bodyPr/>
           <a:lstStyle/>
           <a:p>
-            <a:fld id="{4FD88BF1-71D7-49DF-876D-1C75F78C9933}" type="slidenum">
+            <a:fld id="{17A2692A-91AF-48BC-BFE1-2DD0471FBFF5}" type="slidenum">
               <a:rPr lang="zh-CN" altLang="en-US" smtClean="0"/>
               <a:t>‹#›</a:t>
             </a:fld>
@@ -723,7 +723,7 @@
     </p:spTree>
     <p:extLst>
       <p:ext uri="{BB962C8B-B14F-4D97-AF65-F5344CB8AC3E}">
-        <p14:creationId xmlns:p14="http://schemas.microsoft.com/office/powerpoint/2010/main" val="3950952838"/>
+        <p14:creationId xmlns:p14="http://schemas.microsoft.com/office/powerpoint/2010/main" val="2754718651"/>
       </p:ext>
     </p:extLst>
   </p:cSld>
@@ -755,7 +755,7 @@
           <p:cNvPr id="2" name="标题 1">
             <a:extLst>
               <a:ext uri="{FF2B5EF4-FFF2-40B4-BE49-F238E27FC236}">
-                <a16:creationId xmlns:a16="http://schemas.microsoft.com/office/drawing/2014/main" id="{CCFEB7AA-5B22-D5BB-F230-63F8D8967EE9}"/>
+                <a16:creationId xmlns:a16="http://schemas.microsoft.com/office/drawing/2014/main" id="{C057FCF6-2EAA-9720-7E89-67F502D8C917}"/>
               </a:ext>
             </a:extLst>
           </p:cNvPr>
@@ -783,7 +783,7 @@
           <p:cNvPr id="3" name="内容占位符 2">
             <a:extLst>
               <a:ext uri="{FF2B5EF4-FFF2-40B4-BE49-F238E27FC236}">
-                <a16:creationId xmlns:a16="http://schemas.microsoft.com/office/drawing/2014/main" id="{4467BC40-A350-BB49-4705-1070FC2A8C49}"/>
+                <a16:creationId xmlns:a16="http://schemas.microsoft.com/office/drawing/2014/main" id="{B1AC0E18-AB82-4620-521F-EA42EC6F18C0}"/>
               </a:ext>
             </a:extLst>
           </p:cNvPr>
@@ -840,7 +840,7 @@
           <p:cNvPr id="4" name="日期占位符 3">
             <a:extLst>
               <a:ext uri="{FF2B5EF4-FFF2-40B4-BE49-F238E27FC236}">
-                <a16:creationId xmlns:a16="http://schemas.microsoft.com/office/drawing/2014/main" id="{4DBCB80B-2CDE-5167-531B-F7EA536753F2}"/>
+                <a16:creationId xmlns:a16="http://schemas.microsoft.com/office/drawing/2014/main" id="{57AB4C56-3AD7-5133-8078-802C5B66C18E}"/>
               </a:ext>
             </a:extLst>
           </p:cNvPr>
@@ -856,7 +856,7 @@
           <a:bodyPr/>
           <a:lstStyle/>
           <a:p>
-            <a:fld id="{6D79E782-4CE9-405B-AEFD-05B552B11934}" type="datetimeFigureOut">
+            <a:fld id="{BFF0CF30-4C06-4A94-9C68-1B236F771401}" type="datetimeFigureOut">
               <a:rPr lang="zh-CN" altLang="en-US" smtClean="0"/>
               <a:t>2024/3/10</a:t>
             </a:fld>
@@ -869,7 +869,7 @@
           <p:cNvPr id="5" name="页脚占位符 4">
             <a:extLst>
               <a:ext uri="{FF2B5EF4-FFF2-40B4-BE49-F238E27FC236}">
-                <a16:creationId xmlns:a16="http://schemas.microsoft.com/office/drawing/2014/main" id="{869A469E-35D8-1C95-DF19-C4B4E54EB76C}"/>
+                <a16:creationId xmlns:a16="http://schemas.microsoft.com/office/drawing/2014/main" id="{D08A8D88-1E39-362B-ACA0-8103D94B1BC4}"/>
               </a:ext>
             </a:extLst>
           </p:cNvPr>
@@ -894,7 +894,7 @@
           <p:cNvPr id="6" name="灯片编号占位符 5">
             <a:extLst>
               <a:ext uri="{FF2B5EF4-FFF2-40B4-BE49-F238E27FC236}">
-                <a16:creationId xmlns:a16="http://schemas.microsoft.com/office/drawing/2014/main" id="{3B85235A-DD58-FF5F-B155-25099FF1D3EE}"/>
+                <a16:creationId xmlns:a16="http://schemas.microsoft.com/office/drawing/2014/main" id="{8C1AFCDB-3468-CDED-0ACD-34AA3D23C6CE}"/>
               </a:ext>
             </a:extLst>
           </p:cNvPr>
@@ -910,7 +910,7 @@
           <a:bodyPr/>
           <a:lstStyle/>
           <a:p>
-            <a:fld id="{4FD88BF1-71D7-49DF-876D-1C75F78C9933}" type="slidenum">
+            <a:fld id="{17A2692A-91AF-48BC-BFE1-2DD0471FBFF5}" type="slidenum">
               <a:rPr lang="zh-CN" altLang="en-US" smtClean="0"/>
               <a:t>‹#›</a:t>
             </a:fld>
@@ -921,7 +921,7 @@
     </p:spTree>
     <p:extLst>
       <p:ext uri="{BB962C8B-B14F-4D97-AF65-F5344CB8AC3E}">
-        <p14:creationId xmlns:p14="http://schemas.microsoft.com/office/powerpoint/2010/main" val="4030035698"/>
+        <p14:creationId xmlns:p14="http://schemas.microsoft.com/office/powerpoint/2010/main" val="1648929256"/>
       </p:ext>
     </p:extLst>
   </p:cSld>
@@ -953,7 +953,7 @@
           <p:cNvPr id="2" name="标题 1">
             <a:extLst>
               <a:ext uri="{FF2B5EF4-FFF2-40B4-BE49-F238E27FC236}">
-                <a16:creationId xmlns:a16="http://schemas.microsoft.com/office/drawing/2014/main" id="{3ABDA4F1-A64E-9458-2D32-C1763E82505A}"/>
+                <a16:creationId xmlns:a16="http://schemas.microsoft.com/office/drawing/2014/main" id="{0A6154E9-2B5B-D3B4-B11C-EA899A71A861}"/>
               </a:ext>
             </a:extLst>
           </p:cNvPr>
@@ -990,7 +990,7 @@
           <p:cNvPr id="3" name="文本占位符 2">
             <a:extLst>
               <a:ext uri="{FF2B5EF4-FFF2-40B4-BE49-F238E27FC236}">
-                <a16:creationId xmlns:a16="http://schemas.microsoft.com/office/drawing/2014/main" id="{E0F45602-7DCA-B690-B3C7-01FF8235DCA1}"/>
+                <a16:creationId xmlns:a16="http://schemas.microsoft.com/office/drawing/2014/main" id="{C6002026-03C0-9507-85A6-73E9CCD7BC36}"/>
               </a:ext>
             </a:extLst>
           </p:cNvPr>
@@ -1115,7 +1115,7 @@
           <p:cNvPr id="4" name="日期占位符 3">
             <a:extLst>
               <a:ext uri="{FF2B5EF4-FFF2-40B4-BE49-F238E27FC236}">
-                <a16:creationId xmlns:a16="http://schemas.microsoft.com/office/drawing/2014/main" id="{B15D6F64-6324-120F-DCD6-0C5426740B20}"/>
+                <a16:creationId xmlns:a16="http://schemas.microsoft.com/office/drawing/2014/main" id="{A8D38473-D258-4668-272A-9523899BC60A}"/>
               </a:ext>
             </a:extLst>
           </p:cNvPr>
@@ -1131,7 +1131,7 @@
           <a:bodyPr/>
           <a:lstStyle/>
           <a:p>
-            <a:fld id="{6D79E782-4CE9-405B-AEFD-05B552B11934}" type="datetimeFigureOut">
+            <a:fld id="{BFF0CF30-4C06-4A94-9C68-1B236F771401}" type="datetimeFigureOut">
               <a:rPr lang="zh-CN" altLang="en-US" smtClean="0"/>
               <a:t>2024/3/10</a:t>
             </a:fld>
@@ -1144,7 +1144,7 @@
           <p:cNvPr id="5" name="页脚占位符 4">
             <a:extLst>
               <a:ext uri="{FF2B5EF4-FFF2-40B4-BE49-F238E27FC236}">
-                <a16:creationId xmlns:a16="http://schemas.microsoft.com/office/drawing/2014/main" id="{93D68D73-4C20-F16E-FE5F-75BE2BFB692B}"/>
+                <a16:creationId xmlns:a16="http://schemas.microsoft.com/office/drawing/2014/main" id="{2704F5A4-3847-1C26-50AE-049FE81849A2}"/>
               </a:ext>
             </a:extLst>
           </p:cNvPr>
@@ -1169,7 +1169,7 @@
           <p:cNvPr id="6" name="灯片编号占位符 5">
             <a:extLst>
               <a:ext uri="{FF2B5EF4-FFF2-40B4-BE49-F238E27FC236}">
-                <a16:creationId xmlns:a16="http://schemas.microsoft.com/office/drawing/2014/main" id="{9F231F60-1012-803C-F291-8B7A0461D4CC}"/>
+                <a16:creationId xmlns:a16="http://schemas.microsoft.com/office/drawing/2014/main" id="{1B565439-B1A4-D8DE-3AAA-FDB8541443C8}"/>
               </a:ext>
             </a:extLst>
           </p:cNvPr>
@@ -1185,7 +1185,7 @@
           <a:bodyPr/>
           <a:lstStyle/>
           <a:p>
-            <a:fld id="{4FD88BF1-71D7-49DF-876D-1C75F78C9933}" type="slidenum">
+            <a:fld id="{17A2692A-91AF-48BC-BFE1-2DD0471FBFF5}" type="slidenum">
               <a:rPr lang="zh-CN" altLang="en-US" smtClean="0"/>
               <a:t>‹#›</a:t>
             </a:fld>
@@ -1196,7 +1196,7 @@
     </p:spTree>
     <p:extLst>
       <p:ext uri="{BB962C8B-B14F-4D97-AF65-F5344CB8AC3E}">
-        <p14:creationId xmlns:p14="http://schemas.microsoft.com/office/powerpoint/2010/main" val="3481403328"/>
+        <p14:creationId xmlns:p14="http://schemas.microsoft.com/office/powerpoint/2010/main" val="2403848730"/>
       </p:ext>
     </p:extLst>
   </p:cSld>
@@ -1228,7 +1228,7 @@
           <p:cNvPr id="2" name="标题 1">
             <a:extLst>
               <a:ext uri="{FF2B5EF4-FFF2-40B4-BE49-F238E27FC236}">
-                <a16:creationId xmlns:a16="http://schemas.microsoft.com/office/drawing/2014/main" id="{E4C16B43-E677-95E2-FC24-C0D98257600F}"/>
+                <a16:creationId xmlns:a16="http://schemas.microsoft.com/office/drawing/2014/main" id="{CE57E095-6012-63D1-4C7D-BD88715EED38}"/>
               </a:ext>
             </a:extLst>
           </p:cNvPr>
@@ -1256,7 +1256,7 @@
           <p:cNvPr id="3" name="内容占位符 2">
             <a:extLst>
               <a:ext uri="{FF2B5EF4-FFF2-40B4-BE49-F238E27FC236}">
-                <a16:creationId xmlns:a16="http://schemas.microsoft.com/office/drawing/2014/main" id="{075EA285-30BA-C2A4-4146-83F76058AEA5}"/>
+                <a16:creationId xmlns:a16="http://schemas.microsoft.com/office/drawing/2014/main" id="{708E6A75-039F-890A-1917-0B5C138CED85}"/>
               </a:ext>
             </a:extLst>
           </p:cNvPr>
@@ -1318,7 +1318,7 @@
           <p:cNvPr id="4" name="内容占位符 3">
             <a:extLst>
               <a:ext uri="{FF2B5EF4-FFF2-40B4-BE49-F238E27FC236}">
-                <a16:creationId xmlns:a16="http://schemas.microsoft.com/office/drawing/2014/main" id="{86189DB5-1963-30DC-6B17-5367DE56D528}"/>
+                <a16:creationId xmlns:a16="http://schemas.microsoft.com/office/drawing/2014/main" id="{C0004A91-92AF-19EB-D6E6-D7B971E44A81}"/>
               </a:ext>
             </a:extLst>
           </p:cNvPr>
@@ -1380,7 +1380,7 @@
           <p:cNvPr id="5" name="日期占位符 4">
             <a:extLst>
               <a:ext uri="{FF2B5EF4-FFF2-40B4-BE49-F238E27FC236}">
-                <a16:creationId xmlns:a16="http://schemas.microsoft.com/office/drawing/2014/main" id="{F74C83F7-D863-64FA-3922-0CE6CC15BAA2}"/>
+                <a16:creationId xmlns:a16="http://schemas.microsoft.com/office/drawing/2014/main" id="{C6CF1668-20DD-AB32-A4E1-7171F5827BE8}"/>
               </a:ext>
             </a:extLst>
           </p:cNvPr>
@@ -1396,7 +1396,7 @@
           <a:bodyPr/>
           <a:lstStyle/>
           <a:p>
-            <a:fld id="{6D79E782-4CE9-405B-AEFD-05B552B11934}" type="datetimeFigureOut">
+            <a:fld id="{BFF0CF30-4C06-4A94-9C68-1B236F771401}" type="datetimeFigureOut">
               <a:rPr lang="zh-CN" altLang="en-US" smtClean="0"/>
               <a:t>2024/3/10</a:t>
             </a:fld>
@@ -1409,7 +1409,7 @@
           <p:cNvPr id="6" name="页脚占位符 5">
             <a:extLst>
               <a:ext uri="{FF2B5EF4-FFF2-40B4-BE49-F238E27FC236}">
-                <a16:creationId xmlns:a16="http://schemas.microsoft.com/office/drawing/2014/main" id="{79BA76C5-C369-6595-E726-458A1DE80C06}"/>
+                <a16:creationId xmlns:a16="http://schemas.microsoft.com/office/drawing/2014/main" id="{B668F818-0A2A-A5E0-EB3F-82C6A53AE6DF}"/>
               </a:ext>
             </a:extLst>
           </p:cNvPr>
@@ -1434,7 +1434,7 @@
           <p:cNvPr id="7" name="灯片编号占位符 6">
             <a:extLst>
               <a:ext uri="{FF2B5EF4-FFF2-40B4-BE49-F238E27FC236}">
-                <a16:creationId xmlns:a16="http://schemas.microsoft.com/office/drawing/2014/main" id="{F67359C8-E07D-B984-8F06-9E81A385F087}"/>
+                <a16:creationId xmlns:a16="http://schemas.microsoft.com/office/drawing/2014/main" id="{064CD57B-513E-5DBB-D9FD-F4F28E784DF9}"/>
               </a:ext>
             </a:extLst>
           </p:cNvPr>
@@ -1450,7 +1450,7 @@
           <a:bodyPr/>
           <a:lstStyle/>
           <a:p>
-            <a:fld id="{4FD88BF1-71D7-49DF-876D-1C75F78C9933}" type="slidenum">
+            <a:fld id="{17A2692A-91AF-48BC-BFE1-2DD0471FBFF5}" type="slidenum">
               <a:rPr lang="zh-CN" altLang="en-US" smtClean="0"/>
               <a:t>‹#›</a:t>
             </a:fld>
@@ -1461,7 +1461,7 @@
     </p:spTree>
     <p:extLst>
       <p:ext uri="{BB962C8B-B14F-4D97-AF65-F5344CB8AC3E}">
-        <p14:creationId xmlns:p14="http://schemas.microsoft.com/office/powerpoint/2010/main" val="1142738530"/>
+        <p14:creationId xmlns:p14="http://schemas.microsoft.com/office/powerpoint/2010/main" val="3549356787"/>
       </p:ext>
     </p:extLst>
   </p:cSld>
@@ -1493,7 +1493,7 @@
           <p:cNvPr id="2" name="标题 1">
             <a:extLst>
               <a:ext uri="{FF2B5EF4-FFF2-40B4-BE49-F238E27FC236}">
-                <a16:creationId xmlns:a16="http://schemas.microsoft.com/office/drawing/2014/main" id="{5F14A2C6-F6A9-1641-9BC7-173C68566F51}"/>
+                <a16:creationId xmlns:a16="http://schemas.microsoft.com/office/drawing/2014/main" id="{0C554B9F-3A95-881F-A559-AAF17F254D91}"/>
               </a:ext>
             </a:extLst>
           </p:cNvPr>
@@ -1526,7 +1526,7 @@
           <p:cNvPr id="3" name="文本占位符 2">
             <a:extLst>
               <a:ext uri="{FF2B5EF4-FFF2-40B4-BE49-F238E27FC236}">
-                <a16:creationId xmlns:a16="http://schemas.microsoft.com/office/drawing/2014/main" id="{6896FA2D-6937-6EAB-B266-6A1BE4B61CA0}"/>
+                <a16:creationId xmlns:a16="http://schemas.microsoft.com/office/drawing/2014/main" id="{BAFE51E1-05E5-648F-1027-81EC3C406C6E}"/>
               </a:ext>
             </a:extLst>
           </p:cNvPr>
@@ -1597,7 +1597,7 @@
           <p:cNvPr id="4" name="内容占位符 3">
             <a:extLst>
               <a:ext uri="{FF2B5EF4-FFF2-40B4-BE49-F238E27FC236}">
-                <a16:creationId xmlns:a16="http://schemas.microsoft.com/office/drawing/2014/main" id="{FCCE2FA3-5166-452B-C4A7-047D49EC0A17}"/>
+                <a16:creationId xmlns:a16="http://schemas.microsoft.com/office/drawing/2014/main" id="{49EB4AA9-B2C2-08E8-2705-271953304479}"/>
               </a:ext>
             </a:extLst>
           </p:cNvPr>
@@ -1659,7 +1659,7 @@
           <p:cNvPr id="5" name="文本占位符 4">
             <a:extLst>
               <a:ext uri="{FF2B5EF4-FFF2-40B4-BE49-F238E27FC236}">
-                <a16:creationId xmlns:a16="http://schemas.microsoft.com/office/drawing/2014/main" id="{038BDB1F-D925-5405-0079-5F634C1CAF4B}"/>
+                <a16:creationId xmlns:a16="http://schemas.microsoft.com/office/drawing/2014/main" id="{F0A50BE8-D6E7-EB33-8AF4-0DCAD1257847}"/>
               </a:ext>
             </a:extLst>
           </p:cNvPr>
@@ -1730,7 +1730,7 @@
           <p:cNvPr id="6" name="内容占位符 5">
             <a:extLst>
               <a:ext uri="{FF2B5EF4-FFF2-40B4-BE49-F238E27FC236}">
-                <a16:creationId xmlns:a16="http://schemas.microsoft.com/office/drawing/2014/main" id="{AB3A1148-435F-0DDF-80F6-9FE22F8B9C09}"/>
+                <a16:creationId xmlns:a16="http://schemas.microsoft.com/office/drawing/2014/main" id="{0EF80766-1A0B-149A-B25D-2CD798CD01A4}"/>
               </a:ext>
             </a:extLst>
           </p:cNvPr>
@@ -1792,7 +1792,7 @@
           <p:cNvPr id="7" name="日期占位符 6">
             <a:extLst>
               <a:ext uri="{FF2B5EF4-FFF2-40B4-BE49-F238E27FC236}">
-                <a16:creationId xmlns:a16="http://schemas.microsoft.com/office/drawing/2014/main" id="{B5FFE31A-7FC8-086E-5E3E-49FA1495F743}"/>
+                <a16:creationId xmlns:a16="http://schemas.microsoft.com/office/drawing/2014/main" id="{9827C756-3161-2899-6C8C-DCBB04197C84}"/>
               </a:ext>
             </a:extLst>
           </p:cNvPr>
@@ -1808,7 +1808,7 @@
           <a:bodyPr/>
           <a:lstStyle/>
           <a:p>
-            <a:fld id="{6D79E782-4CE9-405B-AEFD-05B552B11934}" type="datetimeFigureOut">
+            <a:fld id="{BFF0CF30-4C06-4A94-9C68-1B236F771401}" type="datetimeFigureOut">
               <a:rPr lang="zh-CN" altLang="en-US" smtClean="0"/>
               <a:t>2024/3/10</a:t>
             </a:fld>
@@ -1821,7 +1821,7 @@
           <p:cNvPr id="8" name="页脚占位符 7">
             <a:extLst>
               <a:ext uri="{FF2B5EF4-FFF2-40B4-BE49-F238E27FC236}">
-                <a16:creationId xmlns:a16="http://schemas.microsoft.com/office/drawing/2014/main" id="{BA7AB810-F0EE-3E89-22A0-B71984601E5F}"/>
+                <a16:creationId xmlns:a16="http://schemas.microsoft.com/office/drawing/2014/main" id="{E47FEE80-FDE9-13A2-4737-F173C7C78C8B}"/>
               </a:ext>
             </a:extLst>
           </p:cNvPr>
@@ -1846,7 +1846,7 @@
           <p:cNvPr id="9" name="灯片编号占位符 8">
             <a:extLst>
               <a:ext uri="{FF2B5EF4-FFF2-40B4-BE49-F238E27FC236}">
-                <a16:creationId xmlns:a16="http://schemas.microsoft.com/office/drawing/2014/main" id="{520DDCA6-82A4-AB09-7080-4A38B6DE5454}"/>
+                <a16:creationId xmlns:a16="http://schemas.microsoft.com/office/drawing/2014/main" id="{E53550D9-3F3C-B746-E163-97D2F3EA6DE7}"/>
               </a:ext>
             </a:extLst>
           </p:cNvPr>
@@ -1862,7 +1862,7 @@
           <a:bodyPr/>
           <a:lstStyle/>
           <a:p>
-            <a:fld id="{4FD88BF1-71D7-49DF-876D-1C75F78C9933}" type="slidenum">
+            <a:fld id="{17A2692A-91AF-48BC-BFE1-2DD0471FBFF5}" type="slidenum">
               <a:rPr lang="zh-CN" altLang="en-US" smtClean="0"/>
               <a:t>‹#›</a:t>
             </a:fld>
@@ -1873,7 +1873,7 @@
     </p:spTree>
     <p:extLst>
       <p:ext uri="{BB962C8B-B14F-4D97-AF65-F5344CB8AC3E}">
-        <p14:creationId xmlns:p14="http://schemas.microsoft.com/office/powerpoint/2010/main" val="68283969"/>
+        <p14:creationId xmlns:p14="http://schemas.microsoft.com/office/powerpoint/2010/main" val="2870231386"/>
       </p:ext>
     </p:extLst>
   </p:cSld>
@@ -1905,7 +1905,7 @@
           <p:cNvPr id="2" name="标题 1">
             <a:extLst>
               <a:ext uri="{FF2B5EF4-FFF2-40B4-BE49-F238E27FC236}">
-                <a16:creationId xmlns:a16="http://schemas.microsoft.com/office/drawing/2014/main" id="{49B192DA-957F-2C15-08C8-D985892D8DA2}"/>
+                <a16:creationId xmlns:a16="http://schemas.microsoft.com/office/drawing/2014/main" id="{5BCF9B3A-ED85-E1FC-7518-9A46F449BDA1}"/>
               </a:ext>
             </a:extLst>
           </p:cNvPr>
@@ -1933,7 +1933,7 @@
           <p:cNvPr id="3" name="日期占位符 2">
             <a:extLst>
               <a:ext uri="{FF2B5EF4-FFF2-40B4-BE49-F238E27FC236}">
-                <a16:creationId xmlns:a16="http://schemas.microsoft.com/office/drawing/2014/main" id="{E2227752-B998-E080-DCD9-AB8C35E31FDE}"/>
+                <a16:creationId xmlns:a16="http://schemas.microsoft.com/office/drawing/2014/main" id="{76F944F1-8073-CB8B-3471-83341B7453E8}"/>
               </a:ext>
             </a:extLst>
           </p:cNvPr>
@@ -1949,7 +1949,7 @@
           <a:bodyPr/>
           <a:lstStyle/>
           <a:p>
-            <a:fld id="{6D79E782-4CE9-405B-AEFD-05B552B11934}" type="datetimeFigureOut">
+            <a:fld id="{BFF0CF30-4C06-4A94-9C68-1B236F771401}" type="datetimeFigureOut">
               <a:rPr lang="zh-CN" altLang="en-US" smtClean="0"/>
               <a:t>2024/3/10</a:t>
             </a:fld>
@@ -1962,7 +1962,7 @@
           <p:cNvPr id="4" name="页脚占位符 3">
             <a:extLst>
               <a:ext uri="{FF2B5EF4-FFF2-40B4-BE49-F238E27FC236}">
-                <a16:creationId xmlns:a16="http://schemas.microsoft.com/office/drawing/2014/main" id="{DCDFB510-9F50-53D8-DABF-E930E75BBADD}"/>
+                <a16:creationId xmlns:a16="http://schemas.microsoft.com/office/drawing/2014/main" id="{983C5A27-473A-D31B-C414-5EE9E412C8B1}"/>
               </a:ext>
             </a:extLst>
           </p:cNvPr>
@@ -1987,7 +1987,7 @@
           <p:cNvPr id="5" name="灯片编号占位符 4">
             <a:extLst>
               <a:ext uri="{FF2B5EF4-FFF2-40B4-BE49-F238E27FC236}">
-                <a16:creationId xmlns:a16="http://schemas.microsoft.com/office/drawing/2014/main" id="{97447237-A782-55A2-E560-97E960CB6410}"/>
+                <a16:creationId xmlns:a16="http://schemas.microsoft.com/office/drawing/2014/main" id="{A97C25A8-35F6-11FB-55E9-059B663FF173}"/>
               </a:ext>
             </a:extLst>
           </p:cNvPr>
@@ -2003,7 +2003,7 @@
           <a:bodyPr/>
           <a:lstStyle/>
           <a:p>
-            <a:fld id="{4FD88BF1-71D7-49DF-876D-1C75F78C9933}" type="slidenum">
+            <a:fld id="{17A2692A-91AF-48BC-BFE1-2DD0471FBFF5}" type="slidenum">
               <a:rPr lang="zh-CN" altLang="en-US" smtClean="0"/>
               <a:t>‹#›</a:t>
             </a:fld>
@@ -2014,7 +2014,7 @@
     </p:spTree>
     <p:extLst>
       <p:ext uri="{BB962C8B-B14F-4D97-AF65-F5344CB8AC3E}">
-        <p14:creationId xmlns:p14="http://schemas.microsoft.com/office/powerpoint/2010/main" val="3940881807"/>
+        <p14:creationId xmlns:p14="http://schemas.microsoft.com/office/powerpoint/2010/main" val="1970524132"/>
       </p:ext>
     </p:extLst>
   </p:cSld>
@@ -2046,7 +2046,7 @@
           <p:cNvPr id="2" name="日期占位符 1">
             <a:extLst>
               <a:ext uri="{FF2B5EF4-FFF2-40B4-BE49-F238E27FC236}">
-                <a16:creationId xmlns:a16="http://schemas.microsoft.com/office/drawing/2014/main" id="{1AE4BCA2-BE4B-51A7-7CFB-6D7D72EE2E6F}"/>
+                <a16:creationId xmlns:a16="http://schemas.microsoft.com/office/drawing/2014/main" id="{02212F5B-0105-7153-DD3D-8CC27CC044BE}"/>
               </a:ext>
             </a:extLst>
           </p:cNvPr>
@@ -2062,7 +2062,7 @@
           <a:bodyPr/>
           <a:lstStyle/>
           <a:p>
-            <a:fld id="{6D79E782-4CE9-405B-AEFD-05B552B11934}" type="datetimeFigureOut">
+            <a:fld id="{BFF0CF30-4C06-4A94-9C68-1B236F771401}" type="datetimeFigureOut">
               <a:rPr lang="zh-CN" altLang="en-US" smtClean="0"/>
               <a:t>2024/3/10</a:t>
             </a:fld>
@@ -2075,7 +2075,7 @@
           <p:cNvPr id="3" name="页脚占位符 2">
             <a:extLst>
               <a:ext uri="{FF2B5EF4-FFF2-40B4-BE49-F238E27FC236}">
-                <a16:creationId xmlns:a16="http://schemas.microsoft.com/office/drawing/2014/main" id="{5660851F-B0BF-B825-3B89-D1A596DD0812}"/>
+                <a16:creationId xmlns:a16="http://schemas.microsoft.com/office/drawing/2014/main" id="{B33C014E-9A00-F8D4-8965-0A84D37F7BBC}"/>
               </a:ext>
             </a:extLst>
           </p:cNvPr>
@@ -2100,7 +2100,7 @@
           <p:cNvPr id="4" name="灯片编号占位符 3">
             <a:extLst>
               <a:ext uri="{FF2B5EF4-FFF2-40B4-BE49-F238E27FC236}">
-                <a16:creationId xmlns:a16="http://schemas.microsoft.com/office/drawing/2014/main" id="{E0A07B8B-D369-DF62-0A0C-B46437711525}"/>
+                <a16:creationId xmlns:a16="http://schemas.microsoft.com/office/drawing/2014/main" id="{2DBBB706-7776-733F-70CC-2CF910BF58A1}"/>
               </a:ext>
             </a:extLst>
           </p:cNvPr>
@@ -2116,7 +2116,7 @@
           <a:bodyPr/>
           <a:lstStyle/>
           <a:p>
-            <a:fld id="{4FD88BF1-71D7-49DF-876D-1C75F78C9933}" type="slidenum">
+            <a:fld id="{17A2692A-91AF-48BC-BFE1-2DD0471FBFF5}" type="slidenum">
               <a:rPr lang="zh-CN" altLang="en-US" smtClean="0"/>
               <a:t>‹#›</a:t>
             </a:fld>
@@ -2127,7 +2127,7 @@
     </p:spTree>
     <p:extLst>
       <p:ext uri="{BB962C8B-B14F-4D97-AF65-F5344CB8AC3E}">
-        <p14:creationId xmlns:p14="http://schemas.microsoft.com/office/powerpoint/2010/main" val="3117167601"/>
+        <p14:creationId xmlns:p14="http://schemas.microsoft.com/office/powerpoint/2010/main" val="599781539"/>
       </p:ext>
     </p:extLst>
   </p:cSld>
@@ -2159,7 +2159,7 @@
           <p:cNvPr id="2" name="标题 1">
             <a:extLst>
               <a:ext uri="{FF2B5EF4-FFF2-40B4-BE49-F238E27FC236}">
-                <a16:creationId xmlns:a16="http://schemas.microsoft.com/office/drawing/2014/main" id="{A43564EB-5C3E-1AD3-872B-FD7240E1AE79}"/>
+                <a16:creationId xmlns:a16="http://schemas.microsoft.com/office/drawing/2014/main" id="{92E1E80F-E28E-0FF5-7CBD-6F39D1F4ED32}"/>
               </a:ext>
             </a:extLst>
           </p:cNvPr>
@@ -2196,7 +2196,7 @@
           <p:cNvPr id="3" name="内容占位符 2">
             <a:extLst>
               <a:ext uri="{FF2B5EF4-FFF2-40B4-BE49-F238E27FC236}">
-                <a16:creationId xmlns:a16="http://schemas.microsoft.com/office/drawing/2014/main" id="{A02445F9-2D8E-EF2D-AC27-99C7D68AB8E4}"/>
+                <a16:creationId xmlns:a16="http://schemas.microsoft.com/office/drawing/2014/main" id="{C1D06C08-4F20-BF4B-82E4-4E671FC9FB10}"/>
               </a:ext>
             </a:extLst>
           </p:cNvPr>
@@ -2286,7 +2286,7 @@
           <p:cNvPr id="4" name="文本占位符 3">
             <a:extLst>
               <a:ext uri="{FF2B5EF4-FFF2-40B4-BE49-F238E27FC236}">
-                <a16:creationId xmlns:a16="http://schemas.microsoft.com/office/drawing/2014/main" id="{1E932F8F-E3D5-044C-11E4-3A09BD33A688}"/>
+                <a16:creationId xmlns:a16="http://schemas.microsoft.com/office/drawing/2014/main" id="{E17CFF94-65DD-BA09-BA25-7584953DC3B3}"/>
               </a:ext>
             </a:extLst>
           </p:cNvPr>
@@ -2357,7 +2357,7 @@
           <p:cNvPr id="5" name="日期占位符 4">
             <a:extLst>
               <a:ext uri="{FF2B5EF4-FFF2-40B4-BE49-F238E27FC236}">
-                <a16:creationId xmlns:a16="http://schemas.microsoft.com/office/drawing/2014/main" id="{5B9CC262-E6B1-8706-8898-10D64D13647B}"/>
+                <a16:creationId xmlns:a16="http://schemas.microsoft.com/office/drawing/2014/main" id="{72EB1FF9-2B21-8DB1-F546-54DA8505502C}"/>
               </a:ext>
             </a:extLst>
           </p:cNvPr>
@@ -2373,7 +2373,7 @@
           <a:bodyPr/>
           <a:lstStyle/>
           <a:p>
-            <a:fld id="{6D79E782-4CE9-405B-AEFD-05B552B11934}" type="datetimeFigureOut">
+            <a:fld id="{BFF0CF30-4C06-4A94-9C68-1B236F771401}" type="datetimeFigureOut">
               <a:rPr lang="zh-CN" altLang="en-US" smtClean="0"/>
               <a:t>2024/3/10</a:t>
             </a:fld>
@@ -2386,7 +2386,7 @@
           <p:cNvPr id="6" name="页脚占位符 5">
             <a:extLst>
               <a:ext uri="{FF2B5EF4-FFF2-40B4-BE49-F238E27FC236}">
-                <a16:creationId xmlns:a16="http://schemas.microsoft.com/office/drawing/2014/main" id="{40926263-1AFD-A602-6A51-F9B3D3B8A1CC}"/>
+                <a16:creationId xmlns:a16="http://schemas.microsoft.com/office/drawing/2014/main" id="{CC4379F9-4C44-8B5E-3751-6D39567DE865}"/>
               </a:ext>
             </a:extLst>
           </p:cNvPr>
@@ -2411,7 +2411,7 @@
           <p:cNvPr id="7" name="灯片编号占位符 6">
             <a:extLst>
               <a:ext uri="{FF2B5EF4-FFF2-40B4-BE49-F238E27FC236}">
-                <a16:creationId xmlns:a16="http://schemas.microsoft.com/office/drawing/2014/main" id="{6F8DC97D-6E9B-2A7E-3C90-3CB0F8F826C2}"/>
+                <a16:creationId xmlns:a16="http://schemas.microsoft.com/office/drawing/2014/main" id="{46414BA5-5BFB-32EE-D9AA-B1557597BF45}"/>
               </a:ext>
             </a:extLst>
           </p:cNvPr>
@@ -2427,7 +2427,7 @@
           <a:bodyPr/>
           <a:lstStyle/>
           <a:p>
-            <a:fld id="{4FD88BF1-71D7-49DF-876D-1C75F78C9933}" type="slidenum">
+            <a:fld id="{17A2692A-91AF-48BC-BFE1-2DD0471FBFF5}" type="slidenum">
               <a:rPr lang="zh-CN" altLang="en-US" smtClean="0"/>
               <a:t>‹#›</a:t>
             </a:fld>
@@ -2438,7 +2438,7 @@
     </p:spTree>
     <p:extLst>
       <p:ext uri="{BB962C8B-B14F-4D97-AF65-F5344CB8AC3E}">
-        <p14:creationId xmlns:p14="http://schemas.microsoft.com/office/powerpoint/2010/main" val="1837763766"/>
+        <p14:creationId xmlns:p14="http://schemas.microsoft.com/office/powerpoint/2010/main" val="1051108078"/>
       </p:ext>
     </p:extLst>
   </p:cSld>
@@ -2470,7 +2470,7 @@
           <p:cNvPr id="2" name="标题 1">
             <a:extLst>
               <a:ext uri="{FF2B5EF4-FFF2-40B4-BE49-F238E27FC236}">
-                <a16:creationId xmlns:a16="http://schemas.microsoft.com/office/drawing/2014/main" id="{26B54C28-5D74-BC46-B202-64F95095CDA2}"/>
+                <a16:creationId xmlns:a16="http://schemas.microsoft.com/office/drawing/2014/main" id="{78612A04-14F8-7284-94E6-2ABDCFFD93C4}"/>
               </a:ext>
             </a:extLst>
           </p:cNvPr>
@@ -2507,7 +2507,7 @@
           <p:cNvPr id="3" name="图片占位符 2">
             <a:extLst>
               <a:ext uri="{FF2B5EF4-FFF2-40B4-BE49-F238E27FC236}">
-                <a16:creationId xmlns:a16="http://schemas.microsoft.com/office/drawing/2014/main" id="{180BEAB1-A9AF-6A8A-4D90-44624BCE43AB}"/>
+                <a16:creationId xmlns:a16="http://schemas.microsoft.com/office/drawing/2014/main" id="{8DCBA048-895C-406F-F731-99BAAE1B15F9}"/>
               </a:ext>
             </a:extLst>
           </p:cNvPr>
@@ -2574,7 +2574,7 @@
           <p:cNvPr id="4" name="文本占位符 3">
             <a:extLst>
               <a:ext uri="{FF2B5EF4-FFF2-40B4-BE49-F238E27FC236}">
-                <a16:creationId xmlns:a16="http://schemas.microsoft.com/office/drawing/2014/main" id="{434D0F91-FF75-5374-A5D7-45257504F1D8}"/>
+                <a16:creationId xmlns:a16="http://schemas.microsoft.com/office/drawing/2014/main" id="{50F3F8C6-EBFE-E3E6-21BE-1B2C6E596E00}"/>
               </a:ext>
             </a:extLst>
           </p:cNvPr>
@@ -2645,7 +2645,7 @@
           <p:cNvPr id="5" name="日期占位符 4">
             <a:extLst>
               <a:ext uri="{FF2B5EF4-FFF2-40B4-BE49-F238E27FC236}">
-                <a16:creationId xmlns:a16="http://schemas.microsoft.com/office/drawing/2014/main" id="{FBC27B49-A851-DE00-6ED3-C5073F545F26}"/>
+                <a16:creationId xmlns:a16="http://schemas.microsoft.com/office/drawing/2014/main" id="{E31A0B68-C95D-87A6-B78C-88D363B79F49}"/>
               </a:ext>
             </a:extLst>
           </p:cNvPr>
@@ -2661,7 +2661,7 @@
           <a:bodyPr/>
           <a:lstStyle/>
           <a:p>
-            <a:fld id="{6D79E782-4CE9-405B-AEFD-05B552B11934}" type="datetimeFigureOut">
+            <a:fld id="{BFF0CF30-4C06-4A94-9C68-1B236F771401}" type="datetimeFigureOut">
               <a:rPr lang="zh-CN" altLang="en-US" smtClean="0"/>
               <a:t>2024/3/10</a:t>
             </a:fld>
@@ -2674,7 +2674,7 @@
           <p:cNvPr id="6" name="页脚占位符 5">
             <a:extLst>
               <a:ext uri="{FF2B5EF4-FFF2-40B4-BE49-F238E27FC236}">
-                <a16:creationId xmlns:a16="http://schemas.microsoft.com/office/drawing/2014/main" id="{122670A6-26EF-7D2D-175F-76909010B72F}"/>
+                <a16:creationId xmlns:a16="http://schemas.microsoft.com/office/drawing/2014/main" id="{8B3AA693-D76D-2FC6-3370-395D413C6781}"/>
               </a:ext>
             </a:extLst>
           </p:cNvPr>
@@ -2699,7 +2699,7 @@
           <p:cNvPr id="7" name="灯片编号占位符 6">
             <a:extLst>
               <a:ext uri="{FF2B5EF4-FFF2-40B4-BE49-F238E27FC236}">
-                <a16:creationId xmlns:a16="http://schemas.microsoft.com/office/drawing/2014/main" id="{05972146-4F26-6781-D5EC-F056065ABC73}"/>
+                <a16:creationId xmlns:a16="http://schemas.microsoft.com/office/drawing/2014/main" id="{4DC32308-8D90-4395-9212-301AC5DEB08A}"/>
               </a:ext>
             </a:extLst>
           </p:cNvPr>
@@ -2715,7 +2715,7 @@
           <a:bodyPr/>
           <a:lstStyle/>
           <a:p>
-            <a:fld id="{4FD88BF1-71D7-49DF-876D-1C75F78C9933}" type="slidenum">
+            <a:fld id="{17A2692A-91AF-48BC-BFE1-2DD0471FBFF5}" type="slidenum">
               <a:rPr lang="zh-CN" altLang="en-US" smtClean="0"/>
               <a:t>‹#›</a:t>
             </a:fld>
@@ -2726,7 +2726,7 @@
     </p:spTree>
     <p:extLst>
       <p:ext uri="{BB962C8B-B14F-4D97-AF65-F5344CB8AC3E}">
-        <p14:creationId xmlns:p14="http://schemas.microsoft.com/office/powerpoint/2010/main" val="801395891"/>
+        <p14:creationId xmlns:p14="http://schemas.microsoft.com/office/powerpoint/2010/main" val="4016902788"/>
       </p:ext>
     </p:extLst>
   </p:cSld>
@@ -2763,7 +2763,7 @@
           <p:cNvPr id="2" name="标题占位符 1">
             <a:extLst>
               <a:ext uri="{FF2B5EF4-FFF2-40B4-BE49-F238E27FC236}">
-                <a16:creationId xmlns:a16="http://schemas.microsoft.com/office/drawing/2014/main" id="{BC067BB4-FD61-C8D6-F7F6-21B057633F30}"/>
+                <a16:creationId xmlns:a16="http://schemas.microsoft.com/office/drawing/2014/main" id="{E42E7846-1943-6C63-6FFE-57CA64D30C49}"/>
               </a:ext>
             </a:extLst>
           </p:cNvPr>
@@ -2801,7 +2801,7 @@
           <p:cNvPr id="3" name="文本占位符 2">
             <a:extLst>
               <a:ext uri="{FF2B5EF4-FFF2-40B4-BE49-F238E27FC236}">
-                <a16:creationId xmlns:a16="http://schemas.microsoft.com/office/drawing/2014/main" id="{9F34DA84-88D5-FFD0-C66D-C2CDCB0DC8DE}"/>
+                <a16:creationId xmlns:a16="http://schemas.microsoft.com/office/drawing/2014/main" id="{7904076A-EB61-EF7B-2C95-26FF0583AB50}"/>
               </a:ext>
             </a:extLst>
           </p:cNvPr>
@@ -2868,7 +2868,7 @@
           <p:cNvPr id="4" name="日期占位符 3">
             <a:extLst>
               <a:ext uri="{FF2B5EF4-FFF2-40B4-BE49-F238E27FC236}">
-                <a16:creationId xmlns:a16="http://schemas.microsoft.com/office/drawing/2014/main" id="{BBF4A5C2-84D8-BE34-B213-D73B064D219F}"/>
+                <a16:creationId xmlns:a16="http://schemas.microsoft.com/office/drawing/2014/main" id="{98E1BE8F-4638-5A77-3EAF-9B56E49D13C8}"/>
               </a:ext>
             </a:extLst>
           </p:cNvPr>
@@ -2902,7 +2902,7 @@
             </a:lvl1pPr>
           </a:lstStyle>
           <a:p>
-            <a:fld id="{6D79E782-4CE9-405B-AEFD-05B552B11934}" type="datetimeFigureOut">
+            <a:fld id="{BFF0CF30-4C06-4A94-9C68-1B236F771401}" type="datetimeFigureOut">
               <a:rPr lang="zh-CN" altLang="en-US" smtClean="0"/>
               <a:t>2024/3/10</a:t>
             </a:fld>
@@ -2915,7 +2915,7 @@
           <p:cNvPr id="5" name="页脚占位符 4">
             <a:extLst>
               <a:ext uri="{FF2B5EF4-FFF2-40B4-BE49-F238E27FC236}">
-                <a16:creationId xmlns:a16="http://schemas.microsoft.com/office/drawing/2014/main" id="{69D34872-D4A2-F558-5CF5-A5CA6AE38D86}"/>
+                <a16:creationId xmlns:a16="http://schemas.microsoft.com/office/drawing/2014/main" id="{D9FD93D6-1ABB-F115-8AA9-CEF9A65E3B10}"/>
               </a:ext>
             </a:extLst>
           </p:cNvPr>
@@ -2958,7 +2958,7 @@
           <p:cNvPr id="6" name="灯片编号占位符 5">
             <a:extLst>
               <a:ext uri="{FF2B5EF4-FFF2-40B4-BE49-F238E27FC236}">
-                <a16:creationId xmlns:a16="http://schemas.microsoft.com/office/drawing/2014/main" id="{5BD00D99-BA18-47EA-4DF5-D68F5FB3446D}"/>
+                <a16:creationId xmlns:a16="http://schemas.microsoft.com/office/drawing/2014/main" id="{52210C59-7B89-3796-8C55-E4BBE270E24A}"/>
               </a:ext>
             </a:extLst>
           </p:cNvPr>
@@ -2992,7 +2992,7 @@
             </a:lvl1pPr>
           </a:lstStyle>
           <a:p>
-            <a:fld id="{4FD88BF1-71D7-49DF-876D-1C75F78C9933}" type="slidenum">
+            <a:fld id="{17A2692A-91AF-48BC-BFE1-2DD0471FBFF5}" type="slidenum">
               <a:rPr lang="zh-CN" altLang="en-US" smtClean="0"/>
               <a:t>‹#›</a:t>
             </a:fld>
@@ -3003,7 +3003,7 @@
     </p:spTree>
     <p:extLst>
       <p:ext uri="{BB962C8B-B14F-4D97-AF65-F5344CB8AC3E}">
-        <p14:creationId xmlns:p14="http://schemas.microsoft.com/office/powerpoint/2010/main" val="2549236258"/>
+        <p14:creationId xmlns:p14="http://schemas.microsoft.com/office/powerpoint/2010/main" val="2576937881"/>
       </p:ext>
     </p:extLst>
   </p:cSld>
